--- a/Term 2/Data Base Administration/23 - Создание дампов, бэкапов, восстановление из бэкапов.pptx
+++ b/Term 2/Data Base Administration/23 - Создание дампов, бэкапов, восстановление из бэкапов.pptx
@@ -272,7 +272,7 @@
           <a:p>
             <a:fld id="{E232930E-A6FF-4322-BEEC-DAC651A9E567}" type="datetimeFigureOut">
               <a:rPr lang="ru-RU" smtClean="0"/>
-              <a:t>21.03.2022</a:t>
+              <a:t>28.03.2022</a:t>
             </a:fld>
             <a:endParaRPr lang="ru-RU"/>
           </a:p>
@@ -470,7 +470,7 @@
           <a:p>
             <a:fld id="{E232930E-A6FF-4322-BEEC-DAC651A9E567}" type="datetimeFigureOut">
               <a:rPr lang="ru-RU" smtClean="0"/>
-              <a:t>21.03.2022</a:t>
+              <a:t>28.03.2022</a:t>
             </a:fld>
             <a:endParaRPr lang="ru-RU"/>
           </a:p>
@@ -678,7 +678,7 @@
           <a:p>
             <a:fld id="{E232930E-A6FF-4322-BEEC-DAC651A9E567}" type="datetimeFigureOut">
               <a:rPr lang="ru-RU" smtClean="0"/>
-              <a:t>21.03.2022</a:t>
+              <a:t>28.03.2022</a:t>
             </a:fld>
             <a:endParaRPr lang="ru-RU"/>
           </a:p>
@@ -876,7 +876,7 @@
           <a:p>
             <a:fld id="{E232930E-A6FF-4322-BEEC-DAC651A9E567}" type="datetimeFigureOut">
               <a:rPr lang="ru-RU" smtClean="0"/>
-              <a:t>21.03.2022</a:t>
+              <a:t>28.03.2022</a:t>
             </a:fld>
             <a:endParaRPr lang="ru-RU"/>
           </a:p>
@@ -1151,7 +1151,7 @@
           <a:p>
             <a:fld id="{E232930E-A6FF-4322-BEEC-DAC651A9E567}" type="datetimeFigureOut">
               <a:rPr lang="ru-RU" smtClean="0"/>
-              <a:t>21.03.2022</a:t>
+              <a:t>28.03.2022</a:t>
             </a:fld>
             <a:endParaRPr lang="ru-RU"/>
           </a:p>
@@ -1416,7 +1416,7 @@
           <a:p>
             <a:fld id="{E232930E-A6FF-4322-BEEC-DAC651A9E567}" type="datetimeFigureOut">
               <a:rPr lang="ru-RU" smtClean="0"/>
-              <a:t>21.03.2022</a:t>
+              <a:t>28.03.2022</a:t>
             </a:fld>
             <a:endParaRPr lang="ru-RU"/>
           </a:p>
@@ -1828,7 +1828,7 @@
           <a:p>
             <a:fld id="{E232930E-A6FF-4322-BEEC-DAC651A9E567}" type="datetimeFigureOut">
               <a:rPr lang="ru-RU" smtClean="0"/>
-              <a:t>21.03.2022</a:t>
+              <a:t>28.03.2022</a:t>
             </a:fld>
             <a:endParaRPr lang="ru-RU"/>
           </a:p>
@@ -1969,7 +1969,7 @@
           <a:p>
             <a:fld id="{E232930E-A6FF-4322-BEEC-DAC651A9E567}" type="datetimeFigureOut">
               <a:rPr lang="ru-RU" smtClean="0"/>
-              <a:t>21.03.2022</a:t>
+              <a:t>28.03.2022</a:t>
             </a:fld>
             <a:endParaRPr lang="ru-RU"/>
           </a:p>
@@ -2082,7 +2082,7 @@
           <a:p>
             <a:fld id="{E232930E-A6FF-4322-BEEC-DAC651A9E567}" type="datetimeFigureOut">
               <a:rPr lang="ru-RU" smtClean="0"/>
-              <a:t>21.03.2022</a:t>
+              <a:t>28.03.2022</a:t>
             </a:fld>
             <a:endParaRPr lang="ru-RU"/>
           </a:p>
@@ -2393,7 +2393,7 @@
           <a:p>
             <a:fld id="{E232930E-A6FF-4322-BEEC-DAC651A9E567}" type="datetimeFigureOut">
               <a:rPr lang="ru-RU" smtClean="0"/>
-              <a:t>21.03.2022</a:t>
+              <a:t>28.03.2022</a:t>
             </a:fld>
             <a:endParaRPr lang="ru-RU"/>
           </a:p>
@@ -2681,7 +2681,7 @@
           <a:p>
             <a:fld id="{E232930E-A6FF-4322-BEEC-DAC651A9E567}" type="datetimeFigureOut">
               <a:rPr lang="ru-RU" smtClean="0"/>
-              <a:t>21.03.2022</a:t>
+              <a:t>28.03.2022</a:t>
             </a:fld>
             <a:endParaRPr lang="ru-RU"/>
           </a:p>
@@ -2922,7 +2922,7 @@
           <a:p>
             <a:fld id="{E232930E-A6FF-4322-BEEC-DAC651A9E567}" type="datetimeFigureOut">
               <a:rPr lang="ru-RU" smtClean="0"/>
-              <a:t>21.03.2022</a:t>
+              <a:t>28.03.2022</a:t>
             </a:fld>
             <a:endParaRPr lang="ru-RU"/>
           </a:p>
@@ -6471,9 +6471,12 @@
 </file>
 
 <file path=customXml/item1.xml><?xml version="1.0" encoding="utf-8"?>
-<p:properties xmlns:p="http://schemas.microsoft.com/office/2006/metadata/properties" xmlns:xsi="http://www.w3.org/2001/XMLSchema-instance" xmlns:pc="http://schemas.microsoft.com/office/infopath/2007/PartnerControls">
-  <documentManagement/>
-</p:properties>
+<?mso-contentType ?>
+<FormTemplates xmlns="http://schemas.microsoft.com/sharepoint/v3/contenttype/forms">
+  <Display>DocumentLibraryForm</Display>
+  <Edit>DocumentLibraryForm</Edit>
+  <New>DocumentLibraryForm</New>
+</FormTemplates>
 </file>
 
 <file path=customXml/item2.xml><?xml version="1.0" encoding="utf-8"?>
@@ -6686,27 +6689,15 @@
 </file>
 
 <file path=customXml/item3.xml><?xml version="1.0" encoding="utf-8"?>
-<?mso-contentType ?>
-<FormTemplates xmlns="http://schemas.microsoft.com/sharepoint/v3/contenttype/forms">
-  <Display>DocumentLibraryForm</Display>
-  <Edit>DocumentLibraryForm</Edit>
-  <New>DocumentLibraryForm</New>
-</FormTemplates>
+<p:properties xmlns:p="http://schemas.microsoft.com/office/2006/metadata/properties" xmlns:xsi="http://www.w3.org/2001/XMLSchema-instance" xmlns:pc="http://schemas.microsoft.com/office/infopath/2007/PartnerControls">
+  <documentManagement/>
+</p:properties>
 </file>
 
 <file path=customXml/itemProps1.xml><?xml version="1.0" encoding="utf-8"?>
-<ds:datastoreItem xmlns:ds="http://schemas.openxmlformats.org/officeDocument/2006/customXml" ds:itemID="{14602252-2014-4D9C-BB1E-D47804EC2645}">
+<ds:datastoreItem xmlns:ds="http://schemas.openxmlformats.org/officeDocument/2006/customXml" ds:itemID="{9DBC1E19-A7B0-4AB7-BA15-CB3C7B9B979C}">
   <ds:schemaRefs>
-    <ds:schemaRef ds:uri="20895bc8-be02-42ca-8ca1-36e50731b469"/>
-    <ds:schemaRef ds:uri="e85ba575-3eae-4c7e-b3f1-323868c4ce13"/>
-    <ds:schemaRef ds:uri="http://purl.org/dc/terms/"/>
-    <ds:schemaRef ds:uri="http://schemas.openxmlformats.org/package/2006/metadata/core-properties"/>
-    <ds:schemaRef ds:uri="http://schemas.microsoft.com/office/2006/documentManagement/types"/>
-    <ds:schemaRef ds:uri="http://schemas.microsoft.com/office/infopath/2007/PartnerControls"/>
-    <ds:schemaRef ds:uri="http://purl.org/dc/elements/1.1/"/>
-    <ds:schemaRef ds:uri="http://schemas.microsoft.com/office/2006/metadata/properties"/>
-    <ds:schemaRef ds:uri="http://www.w3.org/XML/1998/namespace"/>
-    <ds:schemaRef ds:uri="http://purl.org/dc/dcmitype/"/>
+    <ds:schemaRef ds:uri="http://schemas.microsoft.com/sharepoint/v3/contenttype/forms"/>
   </ds:schemaRefs>
 </ds:datastoreItem>
 </file>
@@ -6731,9 +6722,18 @@
 </file>
 
 <file path=customXml/itemProps3.xml><?xml version="1.0" encoding="utf-8"?>
-<ds:datastoreItem xmlns:ds="http://schemas.openxmlformats.org/officeDocument/2006/customXml" ds:itemID="{9DBC1E19-A7B0-4AB7-BA15-CB3C7B9B979C}">
+<ds:datastoreItem xmlns:ds="http://schemas.openxmlformats.org/officeDocument/2006/customXml" ds:itemID="{14602252-2014-4D9C-BB1E-D47804EC2645}">
   <ds:schemaRefs>
-    <ds:schemaRef ds:uri="http://schemas.microsoft.com/sharepoint/v3/contenttype/forms"/>
+    <ds:schemaRef ds:uri="20895bc8-be02-42ca-8ca1-36e50731b469"/>
+    <ds:schemaRef ds:uri="e85ba575-3eae-4c7e-b3f1-323868c4ce13"/>
+    <ds:schemaRef ds:uri="http://purl.org/dc/terms/"/>
+    <ds:schemaRef ds:uri="http://schemas.openxmlformats.org/package/2006/metadata/core-properties"/>
+    <ds:schemaRef ds:uri="http://schemas.microsoft.com/office/2006/documentManagement/types"/>
+    <ds:schemaRef ds:uri="http://schemas.microsoft.com/office/infopath/2007/PartnerControls"/>
+    <ds:schemaRef ds:uri="http://purl.org/dc/elements/1.1/"/>
+    <ds:schemaRef ds:uri="http://schemas.microsoft.com/office/2006/metadata/properties"/>
+    <ds:schemaRef ds:uri="http://www.w3.org/XML/1998/namespace"/>
+    <ds:schemaRef ds:uri="http://purl.org/dc/dcmitype/"/>
   </ds:schemaRefs>
 </ds:datastoreItem>
 </file>